--- a/Hibernate XML Mapping Maksym Baziv.pptx
+++ b/Hibernate XML Mapping Maksym Baziv.pptx
@@ -219,7 +219,7 @@
           <a:p>
             <a:fld id="{62AA0114-3258-4021-8FA6-8879259BD0EB}" type="datetimeFigureOut">
               <a:rPr lang="ru-RU" smtClean="0"/>
-              <a:t>24.03.2019</a:t>
+              <a:t>22.04.2019</a:t>
             </a:fld>
             <a:endParaRPr lang="ru-RU"/>
           </a:p>
@@ -618,7 +618,7 @@
           <a:p>
             <a:fld id="{7D0F6303-AC7A-40BF-8070-39B86E30C256}" type="datetimeFigureOut">
               <a:rPr lang="ru-RU" smtClean="0"/>
-              <a:t>24.03.2019</a:t>
+              <a:t>22.04.2019</a:t>
             </a:fld>
             <a:endParaRPr lang="ru-RU"/>
           </a:p>
@@ -788,7 +788,7 @@
           <a:p>
             <a:fld id="{7D0F6303-AC7A-40BF-8070-39B86E30C256}" type="datetimeFigureOut">
               <a:rPr lang="ru-RU" smtClean="0"/>
-              <a:t>24.03.2019</a:t>
+              <a:t>22.04.2019</a:t>
             </a:fld>
             <a:endParaRPr lang="ru-RU"/>
           </a:p>
@@ -968,7 +968,7 @@
           <a:p>
             <a:fld id="{7D0F6303-AC7A-40BF-8070-39B86E30C256}" type="datetimeFigureOut">
               <a:rPr lang="ru-RU" smtClean="0"/>
-              <a:t>24.03.2019</a:t>
+              <a:t>22.04.2019</a:t>
             </a:fld>
             <a:endParaRPr lang="ru-RU"/>
           </a:p>
@@ -1251,7 +1251,7 @@
           <a:p>
             <a:fld id="{7D0F6303-AC7A-40BF-8070-39B86E30C256}" type="datetimeFigureOut">
               <a:rPr lang="ru-RU" smtClean="0"/>
-              <a:t>24.03.2019</a:t>
+              <a:t>22.04.2019</a:t>
             </a:fld>
             <a:endParaRPr lang="ru-RU"/>
           </a:p>
@@ -1497,7 +1497,7 @@
           <a:p>
             <a:fld id="{7D0F6303-AC7A-40BF-8070-39B86E30C256}" type="datetimeFigureOut">
               <a:rPr lang="ru-RU" smtClean="0"/>
-              <a:t>24.03.2019</a:t>
+              <a:t>22.04.2019</a:t>
             </a:fld>
             <a:endParaRPr lang="ru-RU"/>
           </a:p>
@@ -1729,7 +1729,7 @@
           <a:p>
             <a:fld id="{7D0F6303-AC7A-40BF-8070-39B86E30C256}" type="datetimeFigureOut">
               <a:rPr lang="ru-RU" smtClean="0"/>
-              <a:t>24.03.2019</a:t>
+              <a:t>22.04.2019</a:t>
             </a:fld>
             <a:endParaRPr lang="ru-RU"/>
           </a:p>
@@ -2096,7 +2096,7 @@
           <a:p>
             <a:fld id="{7D0F6303-AC7A-40BF-8070-39B86E30C256}" type="datetimeFigureOut">
               <a:rPr lang="ru-RU" smtClean="0"/>
-              <a:t>24.03.2019</a:t>
+              <a:t>22.04.2019</a:t>
             </a:fld>
             <a:endParaRPr lang="ru-RU"/>
           </a:p>
@@ -2214,7 +2214,7 @@
           <a:p>
             <a:fld id="{7D0F6303-AC7A-40BF-8070-39B86E30C256}" type="datetimeFigureOut">
               <a:rPr lang="ru-RU" smtClean="0"/>
-              <a:t>24.03.2019</a:t>
+              <a:t>22.04.2019</a:t>
             </a:fld>
             <a:endParaRPr lang="ru-RU"/>
           </a:p>
@@ -2309,7 +2309,7 @@
           <a:p>
             <a:fld id="{7D0F6303-AC7A-40BF-8070-39B86E30C256}" type="datetimeFigureOut">
               <a:rPr lang="ru-RU" smtClean="0"/>
-              <a:t>24.03.2019</a:t>
+              <a:t>22.04.2019</a:t>
             </a:fld>
             <a:endParaRPr lang="ru-RU"/>
           </a:p>
@@ -2586,7 +2586,7 @@
           <a:p>
             <a:fld id="{7D0F6303-AC7A-40BF-8070-39B86E30C256}" type="datetimeFigureOut">
               <a:rPr lang="ru-RU" smtClean="0"/>
-              <a:t>24.03.2019</a:t>
+              <a:t>22.04.2019</a:t>
             </a:fld>
             <a:endParaRPr lang="ru-RU"/>
           </a:p>
@@ -2839,7 +2839,7 @@
           <a:p>
             <a:fld id="{7D0F6303-AC7A-40BF-8070-39B86E30C256}" type="datetimeFigureOut">
               <a:rPr lang="ru-RU" smtClean="0"/>
-              <a:t>24.03.2019</a:t>
+              <a:t>22.04.2019</a:t>
             </a:fld>
             <a:endParaRPr lang="ru-RU"/>
           </a:p>
@@ -3052,7 +3052,7 @@
           <a:p>
             <a:fld id="{7D0F6303-AC7A-40BF-8070-39B86E30C256}" type="datetimeFigureOut">
               <a:rPr lang="ru-RU" smtClean="0"/>
-              <a:t>24.03.2019</a:t>
+              <a:t>22.04.2019</a:t>
             </a:fld>
             <a:endParaRPr lang="ru-RU"/>
           </a:p>
@@ -5067,20 +5067,7 @@
                 <a:effectLst/>
                 <a:latin typeface="Menlo"/>
               </a:rPr>
-              <a:t> </a:t>
-            </a:r>
-            <a:r>
-              <a:rPr kumimoji="0" lang="ru-RU" altLang="ru-RU" sz="1600" b="0" i="0" u="none" strike="noStrike" cap="none" normalizeH="0" baseline="0" dirty="0" smtClean="0">
-                <a:ln>
-                  <a:noFill/>
-                </a:ln>
-                <a:solidFill>
-                  <a:srgbClr val="333333"/>
-                </a:solidFill>
-                <a:effectLst/>
-                <a:latin typeface="Menlo"/>
-              </a:rPr>
-              <a:t>{</a:t>
+              <a:t> {</a:t>
             </a:r>
             <a:endParaRPr kumimoji="0" lang="en-US" altLang="ru-RU" sz="1600" b="0" i="0" u="none" strike="noStrike" cap="none" normalizeH="0" baseline="0" dirty="0" smtClean="0">
               <a:ln>
@@ -6660,20 +6647,7 @@
                 <a:effectLst/>
                 <a:latin typeface="Menlo"/>
               </a:rPr>
-              <a:t>() </a:t>
-            </a:r>
-            <a:r>
-              <a:rPr kumimoji="0" lang="ru-RU" altLang="ru-RU" sz="1600" b="0" i="0" u="none" strike="noStrike" cap="none" normalizeH="0" baseline="0" dirty="0" smtClean="0">
-                <a:ln>
-                  <a:noFill/>
-                </a:ln>
-                <a:solidFill>
-                  <a:srgbClr val="333333"/>
-                </a:solidFill>
-                <a:effectLst/>
-                <a:latin typeface="Menlo"/>
-              </a:rPr>
-              <a:t>{</a:t>
+              <a:t>() {</a:t>
             </a:r>
             <a:endParaRPr kumimoji="0" lang="en-US" altLang="ru-RU" sz="1600" b="0" i="0" u="none" strike="noStrike" cap="none" normalizeH="0" baseline="0" dirty="0" smtClean="0">
               <a:ln>
